--- a/timeOfFlight.pptx
+++ b/timeOfFlight.pptx
@@ -3572,9 +3572,7 @@
           </a:prstGeom>
           <a:ln w="12700" cmpd="sng">
             <a:solidFill>
-              <a:schemeClr val="accent1">
-                <a:shade val="50000"/>
-              </a:schemeClr>
+              <a:schemeClr val="tx1"/>
             </a:solidFill>
             <a:prstDash val="sysDot"/>
           </a:ln>
@@ -3597,13 +3595,15 @@
       <p:cxnSp>
         <p:nvCxnSpPr>
           <p:cNvPr id="11" name="Straight Arrow Connector 10"/>
-          <p:cNvCxnSpPr/>
+          <p:cNvCxnSpPr>
+            <a:stCxn id="43" idx="0"/>
+          </p:cNvCxnSpPr>
           <p:nvPr/>
         </p:nvCxnSpPr>
         <p:spPr>
           <a:xfrm flipH="1" flipV="1">
             <a:off x="3711575" y="692150"/>
-            <a:ext cx="778510" cy="2576195"/>
+            <a:ext cx="765810" cy="1974850"/>
           </a:xfrm>
           <a:prstGeom prst="straightConnector1">
             <a:avLst/>
@@ -3638,8 +3638,8 @@
         </p:nvCxnSpPr>
         <p:spPr>
           <a:xfrm flipV="1">
-            <a:off x="4495800" y="666750"/>
-            <a:ext cx="752475" cy="2571750"/>
+            <a:off x="4500880" y="666750"/>
+            <a:ext cx="757555" cy="2004060"/>
           </a:xfrm>
           <a:prstGeom prst="straightConnector1">
             <a:avLst/>
@@ -3721,8 +3721,8 @@
         </p:nvCxnSpPr>
         <p:spPr>
           <a:xfrm>
-            <a:off x="4493895" y="3246120"/>
-            <a:ext cx="782955" cy="2592705"/>
+            <a:off x="4480560" y="2660015"/>
+            <a:ext cx="796290" cy="3178810"/>
           </a:xfrm>
           <a:prstGeom prst="straightConnector1">
             <a:avLst/>
@@ -3757,8 +3757,8 @@
         </p:nvCxnSpPr>
         <p:spPr>
           <a:xfrm flipH="1">
-            <a:off x="3686175" y="3246120"/>
-            <a:ext cx="803910" cy="2592705"/>
+            <a:off x="3686175" y="2660015"/>
+            <a:ext cx="794385" cy="3178810"/>
           </a:xfrm>
           <a:prstGeom prst="straightConnector1">
             <a:avLst/>
@@ -4002,14 +4002,14 @@
           </a:bodyPr>
           <a:p>
             <a:r>
-              <a:rPr lang="" altLang="en-US"/>
+              <a:rPr lang="en-US" altLang="en-US"/>
               <a:t>T</a:t>
             </a:r>
             <a:r>
-              <a:rPr lang="" altLang="en-US" baseline="-25000"/>
+              <a:rPr lang="en-US" altLang="en-US" baseline="-25000"/>
               <a:t>1</a:t>
             </a:r>
-            <a:endParaRPr lang="" altLang="en-US" baseline="-25000"/>
+            <a:endParaRPr lang="en-US" altLang="en-US" baseline="-25000"/>
           </a:p>
         </p:txBody>
       </p:sp>
@@ -4043,14 +4043,14 @@
               <a:t>T</a:t>
             </a:r>
             <a:r>
-              <a:rPr lang="" altLang="en-US" baseline="-25000">
+              <a:rPr lang="en-US" altLang="en-US" baseline="-25000">
                 <a:solidFill>
                   <a:srgbClr val="FF0000"/>
                 </a:solidFill>
               </a:rPr>
               <a:t>2</a:t>
             </a:r>
-            <a:endParaRPr lang="" altLang="en-US" baseline="-25000">
+            <a:endParaRPr lang="en-US" altLang="en-US" baseline="-25000">
               <a:solidFill>
                 <a:srgbClr val="FF0000"/>
               </a:solidFill>
@@ -4066,7 +4066,7 @@
         </p:nvSpPr>
         <p:spPr>
           <a:xfrm>
-            <a:off x="4537710" y="3061970"/>
+            <a:off x="4477385" y="3061970"/>
             <a:ext cx="362585" cy="368300"/>
           </a:xfrm>
           <a:prstGeom prst="rect">
@@ -4075,15 +4075,15 @@
           <a:noFill/>
         </p:spPr>
         <p:txBody>
-          <a:bodyPr wrap="none" rtlCol="0">
+          <a:bodyPr wrap="square" rtlCol="0">
             <a:spAutoFit/>
           </a:bodyPr>
           <a:p>
             <a:r>
-              <a:rPr lang="" altLang="en-US"/>
+              <a:rPr lang="en-US" altLang="en-US"/>
               <a:t>O</a:t>
             </a:r>
-            <a:endParaRPr lang="" altLang="en-US"/>
+            <a:endParaRPr lang="en-US" altLang="en-US"/>
           </a:p>
         </p:txBody>
       </p:sp>
@@ -4109,10 +4109,10 @@
           </a:bodyPr>
           <a:p>
             <a:r>
-              <a:rPr lang="" altLang="en-US"/>
+              <a:rPr lang="en-US" altLang="en-US"/>
               <a:t>source</a:t>
             </a:r>
-            <a:endParaRPr lang="" altLang="en-US"/>
+            <a:endParaRPr lang="en-US" altLang="en-US"/>
           </a:p>
         </p:txBody>
       </p:sp>
@@ -4183,14 +4183,14 @@
           </a:bodyPr>
           <a:p>
             <a:r>
-              <a:rPr lang="" altLang="en-US"/>
+              <a:rPr lang="en-US" altLang="en-US"/>
               <a:t>P</a:t>
             </a:r>
             <a:r>
-              <a:rPr lang="" altLang="en-US" baseline="-25000"/>
+              <a:rPr lang="en-US" altLang="en-US" baseline="-25000"/>
               <a:t>1</a:t>
             </a:r>
-            <a:endParaRPr lang="" altLang="en-US" baseline="-25000"/>
+            <a:endParaRPr lang="en-US" altLang="en-US" baseline="-25000"/>
           </a:p>
         </p:txBody>
       </p:sp>
@@ -4220,10 +4220,10 @@
               <a:t>P</a:t>
             </a:r>
             <a:r>
-              <a:rPr lang="" altLang="en-US" baseline="-25000"/>
+              <a:rPr lang="en-US" altLang="en-US" baseline="-25000"/>
               <a:t>2</a:t>
             </a:r>
-            <a:endParaRPr lang="" altLang="en-US" baseline="-25000"/>
+            <a:endParaRPr lang="en-US" altLang="en-US" baseline="-25000"/>
           </a:p>
         </p:txBody>
       </p:sp>
@@ -4279,13 +4279,9 @@
           <a:p>
             <a:r>
               <a:rPr lang="en-US" altLang="en-US"/>
-              <a:t>P</a:t>
-            </a:r>
-            <a:r>
-              <a:rPr lang="" altLang="en-US"/>
-              <a:t>'</a:t>
-            </a:r>
-            <a:endParaRPr lang="" altLang="en-US"/>
+              <a:t>P'</a:t>
+            </a:r>
+            <a:endParaRPr lang="en-US" altLang="en-US"/>
           </a:p>
         </p:txBody>
       </p:sp>
@@ -4312,11 +4308,7 @@
           <a:p>
             <a:r>
               <a:rPr lang="en-US" altLang="en-US"/>
-              <a:t>P</a:t>
-            </a:r>
-            <a:r>
-              <a:rPr lang="" altLang="en-US"/>
-              <a:t>'</a:t>
+              <a:t>P'</a:t>
             </a:r>
             <a:r>
               <a:rPr lang="en-US" altLang="en-US" baseline="-25000"/>
@@ -4349,11 +4341,7 @@
           <a:p>
             <a:r>
               <a:rPr lang="en-US" altLang="en-US"/>
-              <a:t>P</a:t>
-            </a:r>
-            <a:r>
-              <a:rPr lang="" altLang="en-US"/>
-              <a:t>'</a:t>
+              <a:t>P'</a:t>
             </a:r>
             <a:r>
               <a:rPr lang="en-US" altLang="en-US" baseline="-25000"/>
@@ -4373,47 +4361,6 @@
           <a:xfrm>
             <a:off x="4016375" y="535940"/>
             <a:ext cx="310515" cy="368300"/>
-          </a:xfrm>
-          <a:prstGeom prst="rect">
-            <a:avLst/>
-          </a:prstGeom>
-          <a:noFill/>
-        </p:spPr>
-        <p:txBody>
-          <a:bodyPr wrap="none" rtlCol="0">
-            <a:spAutoFit/>
-          </a:bodyPr>
-          <a:p>
-            <a:r>
-              <a:rPr lang="" altLang="en-US">
-                <a:solidFill>
-                  <a:schemeClr val="accent1">
-                    <a:lumMod val="75000"/>
-                  </a:schemeClr>
-                </a:solidFill>
-              </a:rPr>
-              <a:t>L</a:t>
-            </a:r>
-            <a:endParaRPr lang="" altLang="en-US">
-              <a:solidFill>
-                <a:schemeClr val="accent1">
-                  <a:lumMod val="75000"/>
-                </a:schemeClr>
-              </a:solidFill>
-            </a:endParaRPr>
-          </a:p>
-        </p:txBody>
-      </p:sp>
-      <p:sp>
-        <p:nvSpPr>
-          <p:cNvPr id="37" name="Text Box 36"/>
-          <p:cNvSpPr txBox="1"/>
-          <p:nvPr/>
-        </p:nvSpPr>
-        <p:spPr>
-          <a:xfrm>
-            <a:off x="4016375" y="5485130"/>
-            <a:ext cx="373380" cy="368300"/>
           </a:xfrm>
           <a:prstGeom prst="rect">
             <a:avLst/>
@@ -4435,17 +4382,48 @@
               </a:rPr>
               <a:t>L</a:t>
             </a:r>
-            <a:r>
-              <a:rPr lang="" altLang="en-US">
+            <a:endParaRPr lang="en-US" altLang="en-US">
+              <a:solidFill>
+                <a:schemeClr val="accent1">
+                  <a:lumMod val="75000"/>
+                </a:schemeClr>
+              </a:solidFill>
+            </a:endParaRPr>
+          </a:p>
+        </p:txBody>
+      </p:sp>
+      <p:sp>
+        <p:nvSpPr>
+          <p:cNvPr id="37" name="Text Box 36"/>
+          <p:cNvSpPr txBox="1"/>
+          <p:nvPr/>
+        </p:nvSpPr>
+        <p:spPr>
+          <a:xfrm>
+            <a:off x="3985260" y="5419090"/>
+            <a:ext cx="373380" cy="368300"/>
+          </a:xfrm>
+          <a:prstGeom prst="rect">
+            <a:avLst/>
+          </a:prstGeom>
+          <a:noFill/>
+        </p:spPr>
+        <p:txBody>
+          <a:bodyPr wrap="none" rtlCol="0">
+            <a:spAutoFit/>
+          </a:bodyPr>
+          <a:p>
+            <a:r>
+              <a:rPr lang="en-US" altLang="en-US">
                 <a:solidFill>
                   <a:schemeClr val="accent1">
                     <a:lumMod val="75000"/>
                   </a:schemeClr>
                 </a:solidFill>
               </a:rPr>
-              <a:t>'</a:t>
-            </a:r>
-            <a:endParaRPr lang="" altLang="en-US">
+              <a:t>L'</a:t>
+            </a:r>
+            <a:endParaRPr lang="en-US" altLang="en-US">
               <a:solidFill>
                 <a:schemeClr val="accent1">
                   <a:lumMod val="75000"/>
@@ -4528,7 +4506,7 @@
               <a:t>Ω</a:t>
             </a:r>
             <a:r>
-              <a:rPr lang="" altLang="en-US" b="1">
+              <a:rPr lang="en-US" altLang="en-US" b="1">
                 <a:solidFill>
                   <a:srgbClr val="FFC000"/>
                 </a:solidFill>
@@ -4537,7 +4515,7 @@
               </a:rPr>
               <a:t>'</a:t>
             </a:r>
-            <a:endParaRPr lang="" altLang="en-US" b="1">
+            <a:endParaRPr lang="en-US" altLang="en-US" b="1">
               <a:solidFill>
                 <a:srgbClr val="FFC000"/>
               </a:solidFill>
@@ -4555,7 +4533,7 @@
         </p:nvSpPr>
         <p:spPr>
           <a:xfrm>
-            <a:off x="4112895" y="1866265"/>
+            <a:off x="4163695" y="1735455"/>
             <a:ext cx="322580" cy="368300"/>
           </a:xfrm>
           <a:prstGeom prst="rect">
@@ -4596,8 +4574,8 @@
         </p:nvSpPr>
         <p:spPr>
           <a:xfrm rot="12660000" flipV="1">
-            <a:off x="4181475" y="2221230"/>
-            <a:ext cx="388620" cy="372110"/>
+            <a:off x="4263390" y="2135505"/>
+            <a:ext cx="252730" cy="284480"/>
           </a:xfrm>
           <a:prstGeom prst="arc">
             <a:avLst/>
@@ -4638,7 +4616,7 @@
         </p:nvSpPr>
         <p:spPr>
           <a:xfrm>
-            <a:off x="4280535" y="2667000"/>
+            <a:off x="4281170" y="2667000"/>
             <a:ext cx="196215" cy="561975"/>
           </a:xfrm>
           <a:prstGeom prst="leftBrace">
@@ -4697,10 +4675,10 @@
           </a:bodyPr>
           <a:p>
             <a:r>
-              <a:rPr lang="" altLang="en-US"/>
+              <a:rPr lang="en-US" altLang="en-US"/>
               <a:t>offset</a:t>
             </a:r>
-            <a:endParaRPr lang="" altLang="en-US"/>
+            <a:endParaRPr lang="en-US" altLang="en-US"/>
           </a:p>
         </p:txBody>
       </p:sp>
@@ -4726,14 +4704,14 @@
           </a:bodyPr>
           <a:p>
             <a:r>
-              <a:rPr lang="" altLang="en-US">
+              <a:rPr lang="en-US" altLang="en-US">
                 <a:solidFill>
                   <a:srgbClr val="0070C0"/>
                 </a:solidFill>
               </a:rPr>
               <a:t>PSUP</a:t>
             </a:r>
-            <a:endParaRPr lang="" altLang="en-US">
+            <a:endParaRPr lang="en-US" altLang="en-US">
               <a:solidFill>
                 <a:srgbClr val="0070C0"/>
               </a:solidFill>
@@ -4741,18 +4719,65 @@
           </a:p>
           <a:p>
             <a:r>
-              <a:rPr lang="" altLang="en-US">
+              <a:rPr lang="en-US" altLang="en-US">
                 <a:solidFill>
                   <a:srgbClr val="0070C0"/>
                 </a:solidFill>
               </a:rPr>
               <a:t>sphere</a:t>
             </a:r>
-            <a:endParaRPr lang="" altLang="en-US">
+            <a:endParaRPr lang="en-US" altLang="en-US">
               <a:solidFill>
                 <a:srgbClr val="0070C0"/>
               </a:solidFill>
             </a:endParaRPr>
+          </a:p>
+        </p:txBody>
+      </p:sp>
+      <p:sp>
+        <p:nvSpPr>
+          <p:cNvPr id="2" name="Oval 1"/>
+          <p:cNvSpPr/>
+          <p:nvPr/>
+        </p:nvSpPr>
+        <p:spPr>
+          <a:xfrm>
+            <a:off x="4448810" y="3208020"/>
+            <a:ext cx="75565" cy="75565"/>
+          </a:xfrm>
+          <a:prstGeom prst="ellipse">
+            <a:avLst/>
+          </a:prstGeom>
+          <a:solidFill>
+            <a:schemeClr val="tx1"/>
+          </a:solidFill>
+          <a:ln>
+            <a:solidFill>
+              <a:schemeClr val="tx1"/>
+            </a:solidFill>
+          </a:ln>
+        </p:spPr>
+        <p:style>
+          <a:lnRef idx="2">
+            <a:schemeClr val="accent1">
+              <a:shade val="50000"/>
+            </a:schemeClr>
+          </a:lnRef>
+          <a:fillRef idx="1">
+            <a:schemeClr val="accent1"/>
+          </a:fillRef>
+          <a:effectRef idx="0">
+            <a:schemeClr val="accent1"/>
+          </a:effectRef>
+          <a:fontRef idx="minor">
+            <a:schemeClr val="lt1"/>
+          </a:fontRef>
+        </p:style>
+        <p:txBody>
+          <a:bodyPr rtlCol="0" anchor="ctr"/>
+          <a:p>
+            <a:pPr algn="ctr"/>
+            <a:endParaRPr lang="en-US"/>
           </a:p>
         </p:txBody>
       </p:sp>
